--- a/sem4/AKMS/пр3_през_Руденко_ИКБО-13-22.pptx
+++ b/sem4/AKMS/пр3_през_Руденко_ИКБО-13-22.pptx
@@ -8944,7 +8944,7 @@
                   <a:ea typeface="Droid Sans Fallback"/>
                   <a:cs typeface="FreeSans"/>
                 </a:rPr>
-                <a:t> №26 «Моделирование организации продаж подержанных автомобилей в автосалоне»</a:t>
+                <a:t> №26 «Моделирование организации продажи билетов в кинотеатре»</a:t>
               </a:r>
             </a:p>
           </p:txBody>
@@ -9196,35 +9196,6 @@
           <a:chExt cx="0" cy="0"/>
         </a:xfrm>
       </p:grpSpPr>
-      <p:pic>
-        <p:nvPicPr>
-          <p:cNvPr id="9" name="Content Placeholder 8">
-            <a:extLst>
-              <a:ext uri="{FF2B5EF4-FFF2-40B4-BE49-F238E27FC236}">
-                <a16:creationId xmlns:a16="http://schemas.microsoft.com/office/drawing/2014/main" id="{14D2AC00-4FFF-46BA-B45B-EFE99DFCCCAF}"/>
-              </a:ext>
-            </a:extLst>
-          </p:cNvPr>
-          <p:cNvPicPr>
-            <a:picLocks noGrp="1" noChangeAspect="1"/>
-          </p:cNvPicPr>
-          <p:nvPr>
-            <p:ph sz="half" idx="2"/>
-          </p:nvPr>
-        </p:nvPicPr>
-        <p:blipFill>
-          <a:blip r:embed="rId2"/>
-          <a:stretch>
-            <a:fillRect/>
-          </a:stretch>
-        </p:blipFill>
-        <p:spPr>
-          <a:xfrm>
-            <a:off x="805829" y="2146367"/>
-            <a:ext cx="6981319" cy="4182588"/>
-          </a:xfrm>
-        </p:spPr>
-      </p:pic>
       <p:sp>
         <p:nvSpPr>
           <p:cNvPr id="13" name="TextBox 12">
@@ -9264,6 +9235,61 @@
           </a:p>
         </p:txBody>
       </p:sp>
+      <p:sp>
+        <p:nvSpPr>
+          <p:cNvPr id="3" name="Объект 2">
+            <a:extLst>
+              <a:ext uri="{FF2B5EF4-FFF2-40B4-BE49-F238E27FC236}">
+                <a16:creationId xmlns:a16="http://schemas.microsoft.com/office/drawing/2014/main" id="{C520346A-0B22-43DE-9751-5259FC31C3B7}"/>
+              </a:ext>
+            </a:extLst>
+          </p:cNvPr>
+          <p:cNvSpPr>
+            <a:spLocks noGrp="1"/>
+          </p:cNvSpPr>
+          <p:nvPr>
+            <p:ph sz="half" idx="2"/>
+          </p:nvPr>
+        </p:nvSpPr>
+        <p:spPr/>
+        <p:txBody>
+          <a:bodyPr/>
+          <a:lstStyle/>
+          <a:p>
+            <a:endParaRPr lang="ru-RU"/>
+          </a:p>
+        </p:txBody>
+      </p:sp>
+      <p:pic>
+        <p:nvPicPr>
+          <p:cNvPr id="5" name="Рисунок 4">
+            <a:extLst>
+              <a:ext uri="{FF2B5EF4-FFF2-40B4-BE49-F238E27FC236}">
+                <a16:creationId xmlns:a16="http://schemas.microsoft.com/office/drawing/2014/main" id="{071B466A-C241-4E1A-B2C9-58074DFEE56E}"/>
+              </a:ext>
+            </a:extLst>
+          </p:cNvPr>
+          <p:cNvPicPr>
+            <a:picLocks noChangeAspect="1"/>
+          </p:cNvPicPr>
+          <p:nvPr/>
+        </p:nvPicPr>
+        <p:blipFill>
+          <a:blip r:embed="rId2"/>
+          <a:stretch>
+            <a:fillRect/>
+          </a:stretch>
+        </p:blipFill>
+        <p:spPr>
+          <a:xfrm>
+            <a:off x="755272" y="1780417"/>
+            <a:ext cx="6739809" cy="4574276"/>
+          </a:xfrm>
+          <a:prstGeom prst="rect">
+            <a:avLst/>
+          </a:prstGeom>
+        </p:spPr>
+      </p:pic>
     </p:spTree>
     <p:extLst>
       <p:ext uri="{BB962C8B-B14F-4D97-AF65-F5344CB8AC3E}">
@@ -9497,10 +9523,10 @@
       </p:sp>
       <p:pic>
         <p:nvPicPr>
-          <p:cNvPr id="5" name="Picture 4">
+          <p:cNvPr id="4" name="Рисунок 3">
             <a:extLst>
               <a:ext uri="{FF2B5EF4-FFF2-40B4-BE49-F238E27FC236}">
-                <a16:creationId xmlns:a16="http://schemas.microsoft.com/office/drawing/2014/main" id="{3A031B99-DEF2-4CBE-8B1B-9F77F08F84FE}"/>
+                <a16:creationId xmlns:a16="http://schemas.microsoft.com/office/drawing/2014/main" id="{EFBCD939-1E2D-476C-8CEA-A5CF5072DB09}"/>
               </a:ext>
             </a:extLst>
           </p:cNvPr>
@@ -9511,13 +9537,14 @@
         </p:nvPicPr>
         <p:blipFill>
           <a:blip r:embed="rId3"/>
-          <a:srcRect/>
-          <a:stretch/>
+          <a:stretch>
+            <a:fillRect/>
+          </a:stretch>
         </p:blipFill>
         <p:spPr>
           <a:xfrm>
-            <a:off x="666139" y="2027877"/>
-            <a:ext cx="5941137" cy="4683605"/>
+            <a:off x="1221698" y="1632155"/>
+            <a:ext cx="7217764" cy="5042856"/>
           </a:xfrm>
           <a:prstGeom prst="rect">
             <a:avLst/>
@@ -9604,10 +9631,10 @@
       </p:sp>
       <p:pic>
         <p:nvPicPr>
-          <p:cNvPr id="5" name="Picture 4">
+          <p:cNvPr id="4" name="Рисунок 3">
             <a:extLst>
               <a:ext uri="{FF2B5EF4-FFF2-40B4-BE49-F238E27FC236}">
-                <a16:creationId xmlns:a16="http://schemas.microsoft.com/office/drawing/2014/main" id="{BF44C7B5-EFCE-443F-91B5-B0828FA9211C}"/>
+                <a16:creationId xmlns:a16="http://schemas.microsoft.com/office/drawing/2014/main" id="{E1B0740D-6742-455D-9020-97DB840121B0}"/>
               </a:ext>
             </a:extLst>
           </p:cNvPr>
@@ -9618,13 +9645,14 @@
         </p:nvPicPr>
         <p:blipFill>
           <a:blip r:embed="rId3"/>
-          <a:srcRect/>
-          <a:stretch/>
+          <a:stretch>
+            <a:fillRect/>
+          </a:stretch>
         </p:blipFill>
         <p:spPr>
           <a:xfrm>
-            <a:off x="912228" y="2163097"/>
-            <a:ext cx="5467293" cy="4180363"/>
+            <a:off x="2276332" y="1821305"/>
+            <a:ext cx="4716579" cy="4651650"/>
           </a:xfrm>
           <a:prstGeom prst="rect">
             <a:avLst/>
